--- a/Apresentacao_Spring_Data_Specifications.pptx
+++ b/Apresentacao_Spring_Data_Specifications.pptx
@@ -4896,8 +4896,8 @@
         </p:nvSpPr>
         <p:spPr>
           <a:xfrm>
-            <a:off x="572275" y="2001590"/>
-            <a:ext cx="6190800" cy="1169521"/>
+            <a:off x="572275" y="1601262"/>
+            <a:ext cx="6190800" cy="1661963"/>
           </a:xfrm>
           <a:prstGeom prst="rect">
             <a:avLst/>
@@ -4920,7 +4920,7 @@
             </a:pPr>
             <a:r>
               <a:rPr lang="pt-BR" sz="3200" dirty="0"/>
-              <a:t>Criando consultas avançadas com Spring Data </a:t>
+              <a:t>Criando consultas avançadas com Spring Data JPA </a:t>
             </a:r>
             <a:r>
               <a:rPr lang="pt-BR" sz="3200" dirty="0" err="1"/>
@@ -4966,7 +4966,7 @@
             </a:pPr>
             <a:r>
               <a:rPr lang="pt-BR" dirty="0"/>
-              <a:t>17/08/2021</a:t>
+              <a:t>21/08/2021</a:t>
             </a:r>
             <a:endParaRPr dirty="0"/>
           </a:p>
@@ -8471,7 +8471,7 @@
                 <a:latin typeface="Roboto" panose="02000000000000000000" pitchFamily="2" charset="0"/>
                 <a:ea typeface="Roboto" panose="02000000000000000000" pitchFamily="2" charset="0"/>
               </a:rPr>
-              <a:t>Porém, podemos desenvolver uma implementação customizada para suprir essa necessidade de realizar uma consulta com várias condições/critérios de forma dinâmica. </a:t>
+              <a:t>Porém, podemos desenvolver uma implementação customizada para suprir essa necessidade de realizar uma consulta com várias condições e critérios de forma dinâmica. </a:t>
             </a:r>
           </a:p>
         </p:txBody>

--- a/Apresentacao_Spring_Data_Specifications.pptx
+++ b/Apresentacao_Spring_Data_Specifications.pptx
@@ -5,7 +5,7 @@
     <p:sldMasterId id="2147483654" r:id="rId1"/>
   </p:sldMasterIdLst>
   <p:notesMasterIdLst>
-    <p:notesMasterId r:id="rId17"/>
+    <p:notesMasterId r:id="rId18"/>
   </p:notesMasterIdLst>
   <p:sldIdLst>
     <p:sldId id="256" r:id="rId2"/>
@@ -21,25 +21,26 @@
     <p:sldId id="265" r:id="rId12"/>
     <p:sldId id="262" r:id="rId13"/>
     <p:sldId id="270" r:id="rId14"/>
-    <p:sldId id="261" r:id="rId15"/>
-    <p:sldId id="260" r:id="rId16"/>
+    <p:sldId id="271" r:id="rId15"/>
+    <p:sldId id="261" r:id="rId16"/>
+    <p:sldId id="260" r:id="rId17"/>
   </p:sldIdLst>
   <p:sldSz cx="9144000" cy="5143500" type="screen16x9"/>
   <p:notesSz cx="6858000" cy="9144000"/>
   <p:embeddedFontLst>
     <p:embeddedFont>
       <p:font typeface="Roboto" panose="02000000000000000000" pitchFamily="2" charset="0"/>
-      <p:regular r:id="rId18"/>
-      <p:bold r:id="rId19"/>
-      <p:italic r:id="rId20"/>
-      <p:boldItalic r:id="rId21"/>
+      <p:regular r:id="rId19"/>
+      <p:bold r:id="rId20"/>
+      <p:italic r:id="rId21"/>
+      <p:boldItalic r:id="rId22"/>
     </p:embeddedFont>
     <p:embeddedFont>
       <p:font typeface="Roboto Light" panose="02000000000000000000" pitchFamily="2" charset="0"/>
-      <p:regular r:id="rId22"/>
-      <p:bold r:id="rId23"/>
-      <p:italic r:id="rId24"/>
-      <p:boldItalic r:id="rId25"/>
+      <p:regular r:id="rId23"/>
+      <p:bold r:id="rId24"/>
+      <p:italic r:id="rId25"/>
+      <p:boldItalic r:id="rId26"/>
     </p:embeddedFont>
   </p:embeddedFontLst>
   <p:defaultTextStyle>
@@ -1296,6 +1297,119 @@
   <p:cSld>
     <p:spTree>
       <p:nvGrpSpPr>
+        <p:cNvPr id="1" name="Shape 54"/>
+        <p:cNvGrpSpPr/>
+        <p:nvPr/>
+      </p:nvGrpSpPr>
+      <p:grpSpPr>
+        <a:xfrm>
+          <a:off x="0" y="0"/>
+          <a:ext cx="0" cy="0"/>
+          <a:chOff x="0" y="0"/>
+          <a:chExt cx="0" cy="0"/>
+        </a:xfrm>
+      </p:grpSpPr>
+      <p:sp>
+        <p:nvSpPr>
+          <p:cNvPr id="55" name="Google Shape;55;gd8e9b03fd4_0_10:notes"/>
+          <p:cNvSpPr>
+            <a:spLocks noGrp="1" noRot="1" noChangeAspect="1"/>
+          </p:cNvSpPr>
+          <p:nvPr>
+            <p:ph type="sldImg" idx="2"/>
+          </p:nvPr>
+        </p:nvSpPr>
+        <p:spPr>
+          <a:xfrm>
+            <a:off x="381000" y="685800"/>
+            <a:ext cx="6096000" cy="3429000"/>
+          </a:xfrm>
+          <a:custGeom>
+            <a:avLst/>
+            <a:gdLst/>
+            <a:ahLst/>
+            <a:cxnLst/>
+            <a:rect l="l" t="t" r="r" b="b"/>
+            <a:pathLst>
+              <a:path w="120000" h="120000" extrusionOk="0">
+                <a:moveTo>
+                  <a:pt x="0" y="0"/>
+                </a:moveTo>
+                <a:lnTo>
+                  <a:pt x="120000" y="0"/>
+                </a:lnTo>
+                <a:lnTo>
+                  <a:pt x="120000" y="120000"/>
+                </a:lnTo>
+                <a:lnTo>
+                  <a:pt x="0" y="120000"/>
+                </a:lnTo>
+                <a:close/>
+              </a:path>
+            </a:pathLst>
+          </a:custGeom>
+        </p:spPr>
+      </p:sp>
+      <p:sp>
+        <p:nvSpPr>
+          <p:cNvPr id="56" name="Google Shape;56;gd8e9b03fd4_0_10:notes"/>
+          <p:cNvSpPr txBox="1">
+            <a:spLocks noGrp="1"/>
+          </p:cNvSpPr>
+          <p:nvPr>
+            <p:ph type="body" idx="1"/>
+          </p:nvPr>
+        </p:nvSpPr>
+        <p:spPr>
+          <a:xfrm>
+            <a:off x="685800" y="4343400"/>
+            <a:ext cx="5486400" cy="4114800"/>
+          </a:xfrm>
+          <a:prstGeom prst="rect">
+            <a:avLst/>
+          </a:prstGeom>
+        </p:spPr>
+        <p:txBody>
+          <a:bodyPr spcFirstLastPara="1" wrap="square" lIns="91425" tIns="91425" rIns="91425" bIns="91425" anchor="t" anchorCtr="0">
+            <a:noAutofit/>
+          </a:bodyPr>
+          <a:lstStyle/>
+          <a:p>
+            <a:pPr marL="0" lvl="0" indent="0" algn="l" rtl="0">
+              <a:spcBef>
+                <a:spcPts val="0"/>
+              </a:spcBef>
+              <a:spcAft>
+                <a:spcPts val="0"/>
+              </a:spcAft>
+              <a:buNone/>
+            </a:pPr>
+            <a:r>
+              <a:rPr lang="pt-BR"/>
+              <a:t>Objetivo: apresentar mais informações sobre a aula e o que será entregue com mais detalhamento.</a:t>
+            </a:r>
+            <a:endParaRPr/>
+          </a:p>
+        </p:txBody>
+      </p:sp>
+    </p:spTree>
+    <p:extLst>
+      <p:ext uri="{BB962C8B-B14F-4D97-AF65-F5344CB8AC3E}">
+        <p14:creationId xmlns:p14="http://schemas.microsoft.com/office/powerpoint/2010/main" val="943333378"/>
+      </p:ext>
+    </p:extLst>
+  </p:cSld>
+  <p:clrMapOvr>
+    <a:masterClrMapping/>
+  </p:clrMapOvr>
+</p:notes>
+</file>
+
+<file path=ppt/notesSlides/notesSlide15.xml><?xml version="1.0" encoding="utf-8"?>
+<p:notes xmlns:a="http://schemas.openxmlformats.org/drawingml/2006/main" xmlns:r="http://schemas.openxmlformats.org/officeDocument/2006/relationships" xmlns:p="http://schemas.openxmlformats.org/presentationml/2006/main" showMasterSp="0" showMasterPhAnim="0">
+  <p:cSld>
+    <p:spTree>
+      <p:nvGrpSpPr>
         <p:cNvPr id="1" name="Shape 66"/>
         <p:cNvGrpSpPr/>
         <p:nvPr/>
@@ -1399,7 +1513,7 @@
 </p:notes>
 </file>
 
-<file path=ppt/notesSlides/notesSlide15.xml><?xml version="1.0" encoding="utf-8"?>
+<file path=ppt/notesSlides/notesSlide16.xml><?xml version="1.0" encoding="utf-8"?>
 <p:notes xmlns:a="http://schemas.openxmlformats.org/drawingml/2006/main" xmlns:r="http://schemas.openxmlformats.org/officeDocument/2006/relationships" xmlns:p="http://schemas.openxmlformats.org/presentationml/2006/main" showMasterSp="0" showMasterPhAnim="0">
   <p:cSld>
     <p:spTree>
@@ -4966,7 +5080,7 @@
             </a:pPr>
             <a:r>
               <a:rPr lang="pt-BR" dirty="0"/>
-              <a:t>21/08/2021</a:t>
+              <a:t>23/08/2021</a:t>
             </a:r>
             <a:endParaRPr dirty="0"/>
           </a:p>
@@ -6248,6 +6362,115 @@
   <p:cSld>
     <p:spTree>
       <p:nvGrpSpPr>
+        <p:cNvPr id="1" name="Shape 57"/>
+        <p:cNvGrpSpPr/>
+        <p:nvPr/>
+      </p:nvGrpSpPr>
+      <p:grpSpPr>
+        <a:xfrm>
+          <a:off x="0" y="0"/>
+          <a:ext cx="0" cy="0"/>
+          <a:chOff x="0" y="0"/>
+          <a:chExt cx="0" cy="0"/>
+        </a:xfrm>
+      </p:grpSpPr>
+      <p:sp>
+        <p:nvSpPr>
+          <p:cNvPr id="58" name="Google Shape;58;p11"/>
+          <p:cNvSpPr txBox="1">
+            <a:spLocks noGrp="1"/>
+          </p:cNvSpPr>
+          <p:nvPr>
+            <p:ph type="title"/>
+          </p:nvPr>
+        </p:nvSpPr>
+        <p:spPr>
+          <a:xfrm>
+            <a:off x="585300" y="180625"/>
+            <a:ext cx="8247000" cy="572700"/>
+          </a:xfrm>
+          <a:prstGeom prst="rect">
+            <a:avLst/>
+          </a:prstGeom>
+        </p:spPr>
+        <p:txBody>
+          <a:bodyPr spcFirstLastPara="1" wrap="square" lIns="91425" tIns="91425" rIns="91425" bIns="91425" anchor="t" anchorCtr="0">
+            <a:normAutofit/>
+          </a:bodyPr>
+          <a:lstStyle/>
+          <a:p>
+            <a:pPr marL="0" lvl="0" indent="0" algn="l" rtl="0">
+              <a:spcBef>
+                <a:spcPts val="0"/>
+              </a:spcBef>
+              <a:spcAft>
+                <a:spcPts val="0"/>
+              </a:spcAft>
+              <a:buNone/>
+            </a:pPr>
+            <a:r>
+              <a:rPr lang="pt-BR" dirty="0"/>
+              <a:t>Demo do Spring Data JPA </a:t>
+            </a:r>
+            <a:r>
+              <a:rPr lang="pt-BR" dirty="0" err="1"/>
+              <a:t>Specification</a:t>
+            </a:r>
+            <a:r>
+              <a:rPr lang="pt-BR" dirty="0"/>
+              <a:t> </a:t>
+            </a:r>
+          </a:p>
+        </p:txBody>
+      </p:sp>
+      <p:pic>
+        <p:nvPicPr>
+          <p:cNvPr id="4" name="Imagem 3" descr="Tela de computador com fundo preto&#10;&#10;Descrição gerada automaticamente">
+            <a:extLst>
+              <a:ext uri="{FF2B5EF4-FFF2-40B4-BE49-F238E27FC236}">
+                <a16:creationId xmlns:a16="http://schemas.microsoft.com/office/drawing/2014/main" id="{AD0E23C2-79AA-4191-99B4-A033B9B67C74}"/>
+              </a:ext>
+            </a:extLst>
+          </p:cNvPr>
+          <p:cNvPicPr>
+            <a:picLocks noChangeAspect="1"/>
+          </p:cNvPicPr>
+          <p:nvPr/>
+        </p:nvPicPr>
+        <p:blipFill>
+          <a:blip r:embed="rId3"/>
+          <a:stretch>
+            <a:fillRect/>
+          </a:stretch>
+        </p:blipFill>
+        <p:spPr>
+          <a:xfrm>
+            <a:off x="585300" y="973571"/>
+            <a:ext cx="6584674" cy="3989304"/>
+          </a:xfrm>
+          <a:prstGeom prst="rect">
+            <a:avLst/>
+          </a:prstGeom>
+        </p:spPr>
+      </p:pic>
+    </p:spTree>
+    <p:extLst>
+      <p:ext uri="{BB962C8B-B14F-4D97-AF65-F5344CB8AC3E}">
+        <p14:creationId xmlns:p14="http://schemas.microsoft.com/office/powerpoint/2010/main" val="3919902095"/>
+      </p:ext>
+    </p:extLst>
+  </p:cSld>
+  <p:clrMapOvr>
+    <a:masterClrMapping/>
+  </p:clrMapOvr>
+</p:sld>
+</file>
+
+<file path=ppt/slides/slide15.xml><?xml version="1.0" encoding="utf-8"?>
+<p:sld xmlns:a="http://schemas.openxmlformats.org/drawingml/2006/main" xmlns:r="http://schemas.openxmlformats.org/officeDocument/2006/relationships" xmlns:p="http://schemas.openxmlformats.org/presentationml/2006/main">
+  <p:cSld>
+    <p:spTree>
+      <p:nvGrpSpPr>
         <p:cNvPr id="1" name="Shape 69"/>
         <p:cNvGrpSpPr/>
         <p:nvPr/>
@@ -6576,7 +6799,7 @@
 </p:sld>
 </file>
 
-<file path=ppt/slides/slide15.xml><?xml version="1.0" encoding="utf-8"?>
+<file path=ppt/slides/slide16.xml><?xml version="1.0" encoding="utf-8"?>
 <p:sld xmlns:a="http://schemas.openxmlformats.org/drawingml/2006/main" xmlns:r="http://schemas.openxmlformats.org/officeDocument/2006/relationships" xmlns:p="http://schemas.openxmlformats.org/presentationml/2006/main">
   <p:cSld>
     <p:spTree>
@@ -7507,7 +7730,7 @@
                   <a:srgbClr val="D73628"/>
                 </a:solidFill>
               </a:rPr>
-              <a:t>https://github.com/rocketseat-experts-club/spring-data-jpa-specifications-2021-08-19</a:t>
+              <a:t>https://github.com/rocketseat-experts-club/spring-data-jpa-specifications-2021-08-23</a:t>
             </a:r>
           </a:p>
         </p:txBody>
@@ -8051,7 +8274,31 @@
                 <a:latin typeface="Roboto" panose="02000000000000000000" pitchFamily="2" charset="0"/>
                 <a:ea typeface="Roboto" panose="02000000000000000000" pitchFamily="2" charset="0"/>
               </a:rPr>
-              <a:t>O problema é que dessa forma, só é possível definir um número limitado de condições/critérios. Além disso, a quantidade de métodos aumentam rapidamente na medida que surgem novos casos de usos.</a:t>
+              <a:t>O problema é que dessa forma, só é possível definir um número limitado de </a:t>
+            </a:r>
+            <a:r>
+              <a:rPr lang="pt-BR" b="0">
+                <a:solidFill>
+                  <a:schemeClr val="bg1">
+                    <a:lumMod val="95000"/>
+                  </a:schemeClr>
+                </a:solidFill>
+                <a:latin typeface="Roboto" panose="02000000000000000000" pitchFamily="2" charset="0"/>
+                <a:ea typeface="Roboto" panose="02000000000000000000" pitchFamily="2" charset="0"/>
+              </a:rPr>
+              <a:t>condições ou critérios</a:t>
+            </a:r>
+            <a:r>
+              <a:rPr lang="pt-BR" b="0" dirty="0">
+                <a:solidFill>
+                  <a:schemeClr val="bg1">
+                    <a:lumMod val="95000"/>
+                  </a:schemeClr>
+                </a:solidFill>
+                <a:latin typeface="Roboto" panose="02000000000000000000" pitchFamily="2" charset="0"/>
+                <a:ea typeface="Roboto" panose="02000000000000000000" pitchFamily="2" charset="0"/>
+              </a:rPr>
+              <a:t>. Além disso, a quantidade de métodos aumentam rapidamente na medida que surgem novos casos de usos.</a:t>
             </a:r>
             <a:endParaRPr lang="pt-BR" b="0" dirty="0">
               <a:solidFill>

--- a/Apresentacao_Spring_Data_Specifications.pptx
+++ b/Apresentacao_Spring_Data_Specifications.pptx
@@ -6565,7 +6565,7 @@
             </a:pPr>
             <a:r>
               <a:rPr lang="pt-BR" dirty="0"/>
-              <a:t>Link uteis </a:t>
+              <a:t>Link úteis </a:t>
             </a:r>
           </a:p>
           <a:p>
@@ -6636,12 +6636,8 @@
               <a:buChar char="●"/>
             </a:pPr>
             <a:r>
-              <a:rPr lang="pt-BR"/>
-              <a:t>Ambiente </a:t>
-            </a:r>
-            <a:r>
               <a:rPr lang="pt-BR" dirty="0"/>
-              <a:t>e recursos necessários:</a:t>
+              <a:t>Ambiente e recursos necessários:</a:t>
             </a:r>
           </a:p>
           <a:p>
@@ -6698,12 +6694,12 @@
               <a:t>Postman</a:t>
             </a:r>
             <a:r>
-              <a:rPr lang="pt-BR" sz="1400" dirty="0">
+              <a:rPr lang="pt-BR" dirty="0">
                 <a:solidFill>
                   <a:schemeClr val="bg1"/>
                 </a:solidFill>
               </a:rPr>
-              <a:t>/</a:t>
+              <a:t> ou </a:t>
             </a:r>
             <a:r>
               <a:rPr lang="pt-BR" sz="1400" dirty="0" err="1">
@@ -7729,9 +7725,21 @@
                 <a:solidFill>
                   <a:srgbClr val="D73628"/>
                 </a:solidFill>
+                <a:hlinkClick r:id="rId3">
+                  <a:extLst>
+                    <a:ext uri="{A12FA001-AC4F-418D-AE19-62706E023703}">
+                      <ahyp:hlinkClr xmlns:ahyp="http://schemas.microsoft.com/office/drawing/2018/hyperlinkcolor" val="tx"/>
+                    </a:ext>
+                  </a:extLst>
+                </a:hlinkClick>
               </a:rPr>
-              <a:t>https://github.com/rocketseat-experts-club/spring-data-jpa-specifications-2021-08-23</a:t>
-            </a:r>
+              <a:t>https://github.com/rocketseat-experts-club/spring-rest-data-jpa-specification-2021-08-23</a:t>
+            </a:r>
+            <a:endParaRPr lang="pt-BR" dirty="0">
+              <a:solidFill>
+                <a:srgbClr val="D73628"/>
+              </a:solidFill>
+            </a:endParaRPr>
           </a:p>
         </p:txBody>
       </p:sp>

--- a/Apresentacao_Spring_Data_Specifications.pptx
+++ b/Apresentacao_Spring_Data_Specifications.pptx
@@ -7733,7 +7733,7 @@
                   </a:extLst>
                 </a:hlinkClick>
               </a:rPr>
-              <a:t>https://github.com/rocketseat-experts-club/spring-rest-data-jpa-specification-2021-08-23</a:t>
+              <a:t>https://github.com/rocketseat-experts-club/spring-data-jpa-specification-2021-08-23</a:t>
             </a:r>
             <a:endParaRPr lang="pt-BR" dirty="0">
               <a:solidFill>
